--- a/PPT/DAA 4 - Divide and Conquer.pptx
+++ b/PPT/DAA 4 - Divide and Conquer.pptx
@@ -213,7 +213,7 @@
           <a:p>
             <a:fld id="{FD0CB41E-6AB0-48FC-B3C0-048A64C4793C}" type="datetimeFigureOut">
               <a:rPr lang="id-ID" smtClean="0"/>
-              <a:t>03/09/2017</a:t>
+              <a:t>04/09/2017</a:t>
             </a:fld>
             <a:endParaRPr lang="id-ID"/>
           </a:p>
@@ -705,7 +705,7 @@
           <a:p>
             <a:fld id="{8288B973-6479-434A-A9C9-CD5D351693C7}" type="datetime1">
               <a:rPr lang="en-US" smtClean="0"/>
-              <a:t>9/3/2017</a:t>
+              <a:t>9/4/2017</a:t>
             </a:fld>
             <a:endParaRPr lang="en-US" dirty="0"/>
           </a:p>
@@ -875,7 +875,7 @@
           <a:p>
             <a:fld id="{C789FCBF-A029-4E6C-A821-05C63B6AB455}" type="datetime1">
               <a:rPr lang="en-US" smtClean="0"/>
-              <a:t>9/3/2017</a:t>
+              <a:t>9/4/2017</a:t>
             </a:fld>
             <a:endParaRPr lang="en-US" dirty="0"/>
           </a:p>
@@ -1055,7 +1055,7 @@
           <a:p>
             <a:fld id="{F4E53FDE-CD5A-45BD-A782-A1275D42E8EA}" type="datetime1">
               <a:rPr lang="en-US" smtClean="0"/>
-              <a:t>9/3/2017</a:t>
+              <a:t>9/4/2017</a:t>
             </a:fld>
             <a:endParaRPr lang="en-US" dirty="0"/>
           </a:p>
@@ -1225,7 +1225,7 @@
           <a:p>
             <a:fld id="{E5EA2483-CB4A-4475-A561-6506FA2EE4AA}" type="datetime1">
               <a:rPr lang="en-US" smtClean="0"/>
-              <a:t>9/3/2017</a:t>
+              <a:t>9/4/2017</a:t>
             </a:fld>
             <a:endParaRPr lang="en-US" dirty="0"/>
           </a:p>
@@ -1483,7 +1483,7 @@
           <a:p>
             <a:fld id="{6A3F5018-E034-4A48-8465-AEB2763C27E6}" type="datetime1">
               <a:rPr lang="en-US" smtClean="0"/>
-              <a:t>9/3/2017</a:t>
+              <a:t>9/4/2017</a:t>
             </a:fld>
             <a:endParaRPr lang="en-US" dirty="0"/>
           </a:p>
@@ -1771,7 +1771,7 @@
           <a:p>
             <a:fld id="{8B8D37CA-DDE0-45E5-B9F0-D80B3378137F}" type="datetime1">
               <a:rPr lang="en-US" smtClean="0"/>
-              <a:t>9/3/2017</a:t>
+              <a:t>9/4/2017</a:t>
             </a:fld>
             <a:endParaRPr lang="en-US" dirty="0"/>
           </a:p>
@@ -2213,7 +2213,7 @@
           <a:p>
             <a:fld id="{B81F0319-18AE-426A-9F3A-70FB050EB4FD}" type="datetime1">
               <a:rPr lang="en-US" smtClean="0"/>
-              <a:t>9/3/2017</a:t>
+              <a:t>9/4/2017</a:t>
             </a:fld>
             <a:endParaRPr lang="en-US" dirty="0"/>
           </a:p>
@@ -2331,7 +2331,7 @@
           <a:p>
             <a:fld id="{9EA03F77-6D50-46FA-AFD2-BCDC2389427D}" type="datetime1">
               <a:rPr lang="en-US" smtClean="0"/>
-              <a:t>9/3/2017</a:t>
+              <a:t>9/4/2017</a:t>
             </a:fld>
             <a:endParaRPr lang="en-US" dirty="0"/>
           </a:p>
@@ -2426,7 +2426,7 @@
           <a:p>
             <a:fld id="{1B30BC67-1AF7-4A79-AA22-B84F2555932F}" type="datetime1">
               <a:rPr lang="en-US" smtClean="0"/>
-              <a:t>9/3/2017</a:t>
+              <a:t>9/4/2017</a:t>
             </a:fld>
             <a:endParaRPr lang="en-US" dirty="0"/>
           </a:p>
@@ -2714,7 +2714,7 @@
           <a:p>
             <a:fld id="{AEF30D17-0AB3-4957-8CE0-9C3F1C74BDD3}" type="datetime1">
               <a:rPr lang="en-US" smtClean="0"/>
-              <a:t>9/3/2017</a:t>
+              <a:t>9/4/2017</a:t>
             </a:fld>
             <a:endParaRPr lang="en-US" dirty="0"/>
           </a:p>
@@ -2987,7 +2987,7 @@
           <a:p>
             <a:fld id="{AD05B0DF-C8C8-4D77-882D-8517DF05FD4B}" type="datetime1">
               <a:rPr lang="en-US" smtClean="0"/>
-              <a:t>9/3/2017</a:t>
+              <a:t>9/4/2017</a:t>
             </a:fld>
             <a:endParaRPr lang="en-US" dirty="0"/>
           </a:p>
@@ -3284,7 +3284,7 @@
           <a:p>
             <a:fld id="{3A70643E-7540-4C03-9C4F-EFFB117D53F0}" type="datetime1">
               <a:rPr lang="en-US" smtClean="0"/>
-              <a:t>9/3/2017</a:t>
+              <a:t>9/4/2017</a:t>
             </a:fld>
             <a:endParaRPr lang="en-US" dirty="0"/>
           </a:p>
@@ -3841,6 +3841,13 @@
   <p:clrMapOvr>
     <a:masterClrMapping/>
   </p:clrMapOvr>
+  <p:timing>
+    <p:tnLst>
+      <p:par>
+        <p:cTn id="1" dur="indefinite" restart="never" nodeType="tmRoot"/>
+      </p:par>
+    </p:tnLst>
+  </p:timing>
 </p:sld>
 </file>
 
@@ -14683,7 +14690,21 @@
                 <a:latin typeface="Courier New" panose="02070309020205020404" pitchFamily="49" charset="0"/>
                 <a:cs typeface="Courier New" panose="02070309020205020404" pitchFamily="49" charset="0"/>
               </a:rPr>
-              <a:t> A[k..p+1-1]</a:t>
+              <a:t> A[k..</a:t>
+            </a:r>
+            <a:r>
+              <a:rPr lang="id-ID" sz="1600" dirty="0" smtClean="0">
+                <a:latin typeface="Courier New" panose="02070309020205020404" pitchFamily="49" charset="0"/>
+                <a:cs typeface="Courier New" panose="02070309020205020404" pitchFamily="49" charset="0"/>
+              </a:rPr>
+              <a:t>p+q-1</a:t>
+            </a:r>
+            <a:r>
+              <a:rPr lang="id-ID" sz="1600" dirty="0" smtClean="0">
+                <a:latin typeface="Courier New" panose="02070309020205020404" pitchFamily="49" charset="0"/>
+                <a:cs typeface="Courier New" panose="02070309020205020404" pitchFamily="49" charset="0"/>
+              </a:rPr>
+              <a:t>]</a:t>
             </a:r>
           </a:p>
           <a:p>
@@ -14734,7 +14755,28 @@
                 <a:latin typeface="Courier New" panose="02070309020205020404" pitchFamily="49" charset="0"/>
                 <a:cs typeface="Courier New" panose="02070309020205020404" pitchFamily="49" charset="0"/>
               </a:rPr>
-              <a:t> A[k..p+1-1]</a:t>
+              <a:t> A[k</a:t>
+            </a:r>
+            <a:r>
+              <a:rPr lang="id-ID" sz="1600">
+                <a:latin typeface="Courier New" panose="02070309020205020404" pitchFamily="49" charset="0"/>
+                <a:cs typeface="Courier New" panose="02070309020205020404" pitchFamily="49" charset="0"/>
+              </a:rPr>
+              <a:t>..</a:t>
+            </a:r>
+            <a:r>
+              <a:rPr lang="id-ID" sz="1600" smtClean="0">
+                <a:latin typeface="Courier New" panose="02070309020205020404" pitchFamily="49" charset="0"/>
+                <a:cs typeface="Courier New" panose="02070309020205020404" pitchFamily="49" charset="0"/>
+              </a:rPr>
+              <a:t>p+q-1</a:t>
+            </a:r>
+            <a:r>
+              <a:rPr lang="id-ID" sz="1600" dirty="0">
+                <a:latin typeface="Courier New" panose="02070309020205020404" pitchFamily="49" charset="0"/>
+                <a:cs typeface="Courier New" panose="02070309020205020404" pitchFamily="49" charset="0"/>
+              </a:rPr>
+              <a:t>]</a:t>
             </a:r>
             <a:endParaRPr lang="id-ID" sz="1600" dirty="0" smtClean="0">
               <a:latin typeface="Courier New" panose="02070309020205020404" pitchFamily="49" charset="0"/>
@@ -18310,8 +18352,8 @@
           </p:sp>
         </mc:Fallback>
       </mc:AlternateContent>
-      <mc:AlternateContent xmlns:mc="http://schemas.openxmlformats.org/markup-compatibility/2006">
-        <mc:Choice xmlns:a14="http://schemas.microsoft.com/office/drawing/2010/main" Requires="a14">
+      <mc:AlternateContent xmlns:mc="http://schemas.openxmlformats.org/markup-compatibility/2006" xmlns:a14="http://schemas.microsoft.com/office/drawing/2010/main">
+        <mc:Choice Requires="a14">
           <p:sp>
             <p:nvSpPr>
               <p:cNvPr id="8" name="Content Placeholder 5"/>
@@ -18751,7 +18793,7 @@
             </p:txBody>
           </p:sp>
         </mc:Choice>
-        <mc:Fallback>
+        <mc:Fallback xmlns="">
           <p:sp>
             <p:nvSpPr>
               <p:cNvPr id="8" name="Content Placeholder 5"/>
@@ -20091,8 +20133,8 @@
           </a:p>
         </p:txBody>
       </p:sp>
-      <mc:AlternateContent xmlns:mc="http://schemas.openxmlformats.org/markup-compatibility/2006">
-        <mc:Choice xmlns:a14="http://schemas.microsoft.com/office/drawing/2010/main" Requires="a14">
+      <mc:AlternateContent xmlns:mc="http://schemas.openxmlformats.org/markup-compatibility/2006" xmlns:a14="http://schemas.microsoft.com/office/drawing/2010/main">
+        <mc:Choice Requires="a14">
           <p:sp>
             <p:nvSpPr>
               <p:cNvPr id="3" name="Content Placeholder 2"/>
@@ -20114,19 +20156,11 @@
                 </a:r>
                 <a:r>
                   <a:rPr lang="id-ID" b="1" dirty="0" smtClean="0"/>
-                  <a:t>merge </a:t>
-                </a:r>
-                <a:r>
-                  <a:rPr lang="id-ID" b="1" dirty="0" smtClean="0"/>
-                  <a:t>sort</a:t>
+                  <a:t>merge sort</a:t>
                 </a:r>
                 <a:r>
                   <a:rPr lang="id-ID" dirty="0" smtClean="0"/>
-                  <a:t>! </a:t>
-                </a:r>
-                <a:r>
-                  <a:rPr lang="id-ID" dirty="0" smtClean="0"/>
-                  <a:t>Gambarkan pohon rekursifnya!</a:t>
+                  <a:t>! Gambarkan pohon rekursifnya!</a:t>
                 </a:r>
               </a:p>
               <a:p>
@@ -20228,7 +20262,7 @@
             </p:txBody>
           </p:sp>
         </mc:Choice>
-        <mc:Fallback>
+        <mc:Fallback xmlns="">
           <p:sp>
             <p:nvSpPr>
               <p:cNvPr id="3" name="Content Placeholder 2"/>
